--- a/Slides/Fig1.pptx
+++ b/Slides/Fig1.pptx
@@ -259,7 +259,7 @@
           <a:p>
             <a:fld id="{EA478414-558D-4B66-B5B4-B7F7E965380B}" type="datetimeFigureOut">
               <a:rPr lang="it-IT" smtClean="0"/>
-              <a:t>07/02/2023</a:t>
+              <a:t>20/02/2023</a:t>
             </a:fld>
             <a:endParaRPr lang="it-IT"/>
           </a:p>
@@ -457,7 +457,7 @@
           <a:p>
             <a:fld id="{EA478414-558D-4B66-B5B4-B7F7E965380B}" type="datetimeFigureOut">
               <a:rPr lang="it-IT" smtClean="0"/>
-              <a:t>07/02/2023</a:t>
+              <a:t>20/02/2023</a:t>
             </a:fld>
             <a:endParaRPr lang="it-IT"/>
           </a:p>
@@ -665,7 +665,7 @@
           <a:p>
             <a:fld id="{EA478414-558D-4B66-B5B4-B7F7E965380B}" type="datetimeFigureOut">
               <a:rPr lang="it-IT" smtClean="0"/>
-              <a:t>07/02/2023</a:t>
+              <a:t>20/02/2023</a:t>
             </a:fld>
             <a:endParaRPr lang="it-IT"/>
           </a:p>
@@ -863,7 +863,7 @@
           <a:p>
             <a:fld id="{EA478414-558D-4B66-B5B4-B7F7E965380B}" type="datetimeFigureOut">
               <a:rPr lang="it-IT" smtClean="0"/>
-              <a:t>07/02/2023</a:t>
+              <a:t>20/02/2023</a:t>
             </a:fld>
             <a:endParaRPr lang="it-IT"/>
           </a:p>
@@ -1138,7 +1138,7 @@
           <a:p>
             <a:fld id="{EA478414-558D-4B66-B5B4-B7F7E965380B}" type="datetimeFigureOut">
               <a:rPr lang="it-IT" smtClean="0"/>
-              <a:t>07/02/2023</a:t>
+              <a:t>20/02/2023</a:t>
             </a:fld>
             <a:endParaRPr lang="it-IT"/>
           </a:p>
@@ -1403,7 +1403,7 @@
           <a:p>
             <a:fld id="{EA478414-558D-4B66-B5B4-B7F7E965380B}" type="datetimeFigureOut">
               <a:rPr lang="it-IT" smtClean="0"/>
-              <a:t>07/02/2023</a:t>
+              <a:t>20/02/2023</a:t>
             </a:fld>
             <a:endParaRPr lang="it-IT"/>
           </a:p>
@@ -1815,7 +1815,7 @@
           <a:p>
             <a:fld id="{EA478414-558D-4B66-B5B4-B7F7E965380B}" type="datetimeFigureOut">
               <a:rPr lang="it-IT" smtClean="0"/>
-              <a:t>07/02/2023</a:t>
+              <a:t>20/02/2023</a:t>
             </a:fld>
             <a:endParaRPr lang="it-IT"/>
           </a:p>
@@ -1956,7 +1956,7 @@
           <a:p>
             <a:fld id="{EA478414-558D-4B66-B5B4-B7F7E965380B}" type="datetimeFigureOut">
               <a:rPr lang="it-IT" smtClean="0"/>
-              <a:t>07/02/2023</a:t>
+              <a:t>20/02/2023</a:t>
             </a:fld>
             <a:endParaRPr lang="it-IT"/>
           </a:p>
@@ -2069,7 +2069,7 @@
           <a:p>
             <a:fld id="{EA478414-558D-4B66-B5B4-B7F7E965380B}" type="datetimeFigureOut">
               <a:rPr lang="it-IT" smtClean="0"/>
-              <a:t>07/02/2023</a:t>
+              <a:t>20/02/2023</a:t>
             </a:fld>
             <a:endParaRPr lang="it-IT"/>
           </a:p>
@@ -2380,7 +2380,7 @@
           <a:p>
             <a:fld id="{EA478414-558D-4B66-B5B4-B7F7E965380B}" type="datetimeFigureOut">
               <a:rPr lang="it-IT" smtClean="0"/>
-              <a:t>07/02/2023</a:t>
+              <a:t>20/02/2023</a:t>
             </a:fld>
             <a:endParaRPr lang="it-IT"/>
           </a:p>
@@ -2668,7 +2668,7 @@
           <a:p>
             <a:fld id="{EA478414-558D-4B66-B5B4-B7F7E965380B}" type="datetimeFigureOut">
               <a:rPr lang="it-IT" smtClean="0"/>
-              <a:t>07/02/2023</a:t>
+              <a:t>20/02/2023</a:t>
             </a:fld>
             <a:endParaRPr lang="it-IT"/>
           </a:p>
@@ -2909,7 +2909,7 @@
           <a:p>
             <a:fld id="{EA478414-558D-4B66-B5B4-B7F7E965380B}" type="datetimeFigureOut">
               <a:rPr lang="it-IT" smtClean="0"/>
-              <a:t>07/02/2023</a:t>
+              <a:t>20/02/2023</a:t>
             </a:fld>
             <a:endParaRPr lang="it-IT"/>
           </a:p>
@@ -3444,7 +3444,7 @@
         </p:nvSpPr>
         <p:spPr>
           <a:xfrm>
-            <a:off x="6360484" y="2410297"/>
+            <a:off x="6375278" y="2610229"/>
             <a:ext cx="2138771" cy="390615"/>
           </a:xfrm>
           <a:prstGeom prst="roundRect">
@@ -3496,7 +3496,7 @@
         </p:nvSpPr>
         <p:spPr>
           <a:xfrm>
-            <a:off x="6366403" y="2969590"/>
+            <a:off x="6357524" y="3315635"/>
             <a:ext cx="2138771" cy="754599"/>
           </a:xfrm>
           <a:prstGeom prst="roundRect">
@@ -3591,10 +3591,10 @@
       </p:sp>
       <p:sp>
         <p:nvSpPr>
-          <p:cNvPr id="14" name="Rettangolo con angoli arrotondati 13">
-            <a:extLst>
-              <a:ext uri="{FF2B5EF4-FFF2-40B4-BE49-F238E27FC236}">
-                <a16:creationId xmlns:a16="http://schemas.microsoft.com/office/drawing/2014/main" id="{8B5C841D-B5AD-3B77-CD67-491318C8B73C}"/>
+          <p:cNvPr id="23" name="Rettangolo con angoli arrotondati 22">
+            <a:extLst>
+              <a:ext uri="{FF2B5EF4-FFF2-40B4-BE49-F238E27FC236}">
+                <a16:creationId xmlns:a16="http://schemas.microsoft.com/office/drawing/2014/main" id="{482A2222-484A-F2A3-ECDC-BEF7FAE8B5C5}"/>
               </a:ext>
             </a:extLst>
           </p:cNvPr>
@@ -3603,63 +3603,7 @@
         </p:nvSpPr>
         <p:spPr>
           <a:xfrm>
-            <a:off x="6360485" y="4536504"/>
-            <a:ext cx="2144690" cy="390615"/>
-          </a:xfrm>
-          <a:prstGeom prst="roundRect">
-            <a:avLst/>
-          </a:prstGeom>
-          <a:ln>
-            <a:solidFill>
-              <a:schemeClr val="tx1"/>
-            </a:solidFill>
-          </a:ln>
-        </p:spPr>
-        <p:style>
-          <a:lnRef idx="1">
-            <a:schemeClr val="accent4"/>
-          </a:lnRef>
-          <a:fillRef idx="2">
-            <a:schemeClr val="accent4"/>
-          </a:fillRef>
-          <a:effectRef idx="1">
-            <a:schemeClr val="accent4"/>
-          </a:effectRef>
-          <a:fontRef idx="minor">
-            <a:schemeClr val="dk1"/>
-          </a:fontRef>
-        </p:style>
-        <p:txBody>
-          <a:bodyPr rtlCol="0" anchor="ctr"/>
-          <a:lstStyle/>
-          <a:p>
-            <a:pPr algn="ctr"/>
-            <a:r>
-              <a:rPr lang="it-IT" dirty="0" err="1"/>
-              <a:t>Embedding</a:t>
-            </a:r>
-            <a:r>
-              <a:rPr lang="it-IT" dirty="0"/>
-              <a:t> Analysis</a:t>
-            </a:r>
-          </a:p>
-        </p:txBody>
-      </p:sp>
-      <p:sp>
-        <p:nvSpPr>
-          <p:cNvPr id="23" name="Rettangolo con angoli arrotondati 22">
-            <a:extLst>
-              <a:ext uri="{FF2B5EF4-FFF2-40B4-BE49-F238E27FC236}">
-                <a16:creationId xmlns:a16="http://schemas.microsoft.com/office/drawing/2014/main" id="{482A2222-484A-F2A3-ECDC-BEF7FAE8B5C5}"/>
-              </a:ext>
-            </a:extLst>
-          </p:cNvPr>
-          <p:cNvSpPr/>
-          <p:nvPr/>
-        </p:nvSpPr>
-        <p:spPr>
-          <a:xfrm>
-            <a:off x="6360485" y="3883990"/>
+            <a:off x="6369359" y="4385024"/>
             <a:ext cx="2144690" cy="390615"/>
           </a:xfrm>
           <a:prstGeom prst="roundRect">
@@ -3827,70 +3771,6 @@
       </p:sp>
       <p:sp>
         <p:nvSpPr>
-          <p:cNvPr id="26" name="Rettangolo con angoli arrotondati 25">
-            <a:extLst>
-              <a:ext uri="{FF2B5EF4-FFF2-40B4-BE49-F238E27FC236}">
-                <a16:creationId xmlns:a16="http://schemas.microsoft.com/office/drawing/2014/main" id="{4B9ECB2A-DD3E-08E6-82E4-8368453B9EA7}"/>
-              </a:ext>
-            </a:extLst>
-          </p:cNvPr>
-          <p:cNvSpPr/>
-          <p:nvPr/>
-        </p:nvSpPr>
-        <p:spPr>
-          <a:xfrm>
-            <a:off x="6357524" y="1450394"/>
-            <a:ext cx="2138771" cy="390615"/>
-          </a:xfrm>
-          <a:prstGeom prst="roundRect">
-            <a:avLst/>
-          </a:prstGeom>
-          <a:solidFill>
-            <a:schemeClr val="accent6"/>
-          </a:solidFill>
-          <a:ln>
-            <a:solidFill>
-              <a:schemeClr val="tx1"/>
-            </a:solidFill>
-          </a:ln>
-        </p:spPr>
-        <p:style>
-          <a:lnRef idx="1">
-            <a:schemeClr val="accent4"/>
-          </a:lnRef>
-          <a:fillRef idx="2">
-            <a:schemeClr val="accent4"/>
-          </a:fillRef>
-          <a:effectRef idx="1">
-            <a:schemeClr val="accent4"/>
-          </a:effectRef>
-          <a:fontRef idx="minor">
-            <a:schemeClr val="dk1"/>
-          </a:fontRef>
-        </p:style>
-        <p:txBody>
-          <a:bodyPr rtlCol="0" anchor="ctr"/>
-          <a:lstStyle/>
-          <a:p>
-            <a:pPr algn="ctr"/>
-            <a:r>
-              <a:rPr lang="it-IT" dirty="0" err="1"/>
-              <a:t>Structural</a:t>
-            </a:r>
-            <a:r>
-              <a:rPr lang="it-IT" dirty="0"/>
-              <a:t> </a:t>
-            </a:r>
-            <a:r>
-              <a:rPr lang="it-IT" dirty="0" err="1"/>
-              <a:t>Distance</a:t>
-            </a:r>
-            <a:endParaRPr lang="it-IT" dirty="0"/>
-          </a:p>
-        </p:txBody>
-      </p:sp>
-      <p:sp>
-        <p:nvSpPr>
           <p:cNvPr id="28" name="Rettangolo con angoli arrotondati 27">
             <a:extLst>
               <a:ext uri="{FF2B5EF4-FFF2-40B4-BE49-F238E27FC236}">
@@ -3962,7 +3842,7 @@
         </p:nvSpPr>
         <p:spPr>
           <a:xfrm>
-            <a:off x="9644110" y="2368124"/>
+            <a:off x="9917838" y="2707691"/>
             <a:ext cx="2201662" cy="1957529"/>
           </a:xfrm>
           <a:prstGeom prst="ellipse">
@@ -4212,51 +4092,6 @@
       </p:cxnSp>
       <p:cxnSp>
         <p:nvCxnSpPr>
-          <p:cNvPr id="43" name="Connettore 2 42">
-            <a:extLst>
-              <a:ext uri="{FF2B5EF4-FFF2-40B4-BE49-F238E27FC236}">
-                <a16:creationId xmlns:a16="http://schemas.microsoft.com/office/drawing/2014/main" id="{0E27343E-EAF9-CFD6-7A98-529CD68284BD}"/>
-              </a:ext>
-            </a:extLst>
-          </p:cNvPr>
-          <p:cNvCxnSpPr>
-            <a:stCxn id="28" idx="3"/>
-            <a:endCxn id="26" idx="1"/>
-          </p:cNvCxnSpPr>
-          <p:nvPr/>
-        </p:nvCxnSpPr>
-        <p:spPr>
-          <a:xfrm>
-            <a:off x="4747338" y="1112303"/>
-            <a:ext cx="1610186" cy="533399"/>
-          </a:xfrm>
-          <a:prstGeom prst="straightConnector1">
-            <a:avLst/>
-          </a:prstGeom>
-          <a:ln>
-            <a:solidFill>
-              <a:schemeClr val="tx1"/>
-            </a:solidFill>
-            <a:tailEnd type="triangle"/>
-          </a:ln>
-        </p:spPr>
-        <p:style>
-          <a:lnRef idx="1">
-            <a:schemeClr val="accent1"/>
-          </a:lnRef>
-          <a:fillRef idx="0">
-            <a:schemeClr val="accent1"/>
-          </a:fillRef>
-          <a:effectRef idx="0">
-            <a:schemeClr val="accent1"/>
-          </a:effectRef>
-          <a:fontRef idx="minor">
-            <a:schemeClr val="tx1"/>
-          </a:fontRef>
-        </p:style>
-      </p:cxnSp>
-      <p:cxnSp>
-        <p:nvCxnSpPr>
           <p:cNvPr id="45" name="Connettore 2 44">
             <a:extLst>
               <a:ext uri="{FF2B5EF4-FFF2-40B4-BE49-F238E27FC236}">
@@ -4273,8 +4108,8 @@
         </p:nvCxnSpPr>
         <p:spPr>
           <a:xfrm flipV="1">
-            <a:off x="4747338" y="2605605"/>
-            <a:ext cx="1613146" cy="1080851"/>
+            <a:off x="4747338" y="2805537"/>
+            <a:ext cx="1627940" cy="880919"/>
           </a:xfrm>
           <a:prstGeom prst="straightConnector1">
             <a:avLst/>
@@ -4311,15 +4146,16 @@
             </a:extLst>
           </p:cNvPr>
           <p:cNvCxnSpPr>
+            <a:cxnSpLocks/>
             <a:stCxn id="5" idx="3"/>
             <a:endCxn id="12" idx="1"/>
           </p:cNvCxnSpPr>
           <p:nvPr/>
         </p:nvCxnSpPr>
         <p:spPr>
-          <a:xfrm flipV="1">
-            <a:off x="4747338" y="3346890"/>
-            <a:ext cx="1619065" cy="339566"/>
+          <a:xfrm>
+            <a:off x="4747338" y="3686456"/>
+            <a:ext cx="1610186" cy="6479"/>
           </a:xfrm>
           <a:prstGeom prst="straightConnector1">
             <a:avLst/>
@@ -4356,6 +4192,7 @@
             </a:extLst>
           </p:cNvPr>
           <p:cNvCxnSpPr>
+            <a:cxnSpLocks/>
             <a:stCxn id="5" idx="3"/>
             <a:endCxn id="23" idx="1"/>
           </p:cNvCxnSpPr>
@@ -4364,52 +4201,7 @@
         <p:spPr>
           <a:xfrm>
             <a:off x="4747338" y="3686456"/>
-            <a:ext cx="1613147" cy="392842"/>
-          </a:xfrm>
-          <a:prstGeom prst="straightConnector1">
-            <a:avLst/>
-          </a:prstGeom>
-          <a:ln>
-            <a:solidFill>
-              <a:schemeClr val="tx1"/>
-            </a:solidFill>
-            <a:tailEnd type="triangle"/>
-          </a:ln>
-        </p:spPr>
-        <p:style>
-          <a:lnRef idx="1">
-            <a:schemeClr val="accent1"/>
-          </a:lnRef>
-          <a:fillRef idx="0">
-            <a:schemeClr val="accent1"/>
-          </a:fillRef>
-          <a:effectRef idx="0">
-            <a:schemeClr val="accent1"/>
-          </a:effectRef>
-          <a:fontRef idx="minor">
-            <a:schemeClr val="tx1"/>
-          </a:fontRef>
-        </p:style>
-      </p:cxnSp>
-      <p:cxnSp>
-        <p:nvCxnSpPr>
-          <p:cNvPr id="52" name="Connettore 2 51">
-            <a:extLst>
-              <a:ext uri="{FF2B5EF4-FFF2-40B4-BE49-F238E27FC236}">
-                <a16:creationId xmlns:a16="http://schemas.microsoft.com/office/drawing/2014/main" id="{1F0DC128-C837-F7CE-A973-A8E627559A47}"/>
-              </a:ext>
-            </a:extLst>
-          </p:cNvPr>
-          <p:cNvCxnSpPr>
-            <a:stCxn id="5" idx="3"/>
-            <a:endCxn id="14" idx="1"/>
-          </p:cNvCxnSpPr>
-          <p:nvPr/>
-        </p:nvCxnSpPr>
-        <p:spPr>
-          <a:xfrm>
-            <a:off x="4747338" y="3686456"/>
-            <a:ext cx="1613147" cy="1045356"/>
+            <a:ext cx="1622021" cy="893876"/>
           </a:xfrm>
           <a:prstGeom prst="straightConnector1">
             <a:avLst/>
@@ -4499,49 +4291,7 @@
         <p:spPr>
           <a:xfrm>
             <a:off x="8496295" y="578905"/>
-            <a:ext cx="1470241" cy="2075892"/>
-          </a:xfrm>
-          <a:prstGeom prst="straightConnector1">
-            <a:avLst/>
-          </a:prstGeom>
-          <a:ln>
-            <a:tailEnd type="triangle"/>
-          </a:ln>
-        </p:spPr>
-        <p:style>
-          <a:lnRef idx="1">
-            <a:schemeClr val="dk1"/>
-          </a:lnRef>
-          <a:fillRef idx="0">
-            <a:schemeClr val="dk1"/>
-          </a:fillRef>
-          <a:effectRef idx="0">
-            <a:schemeClr val="dk1"/>
-          </a:effectRef>
-          <a:fontRef idx="minor">
-            <a:schemeClr val="tx1"/>
-          </a:fontRef>
-        </p:style>
-      </p:cxnSp>
-      <p:cxnSp>
-        <p:nvCxnSpPr>
-          <p:cNvPr id="64" name="Connettore 2 63">
-            <a:extLst>
-              <a:ext uri="{FF2B5EF4-FFF2-40B4-BE49-F238E27FC236}">
-                <a16:creationId xmlns:a16="http://schemas.microsoft.com/office/drawing/2014/main" id="{AEF3AABE-C44A-3AC0-B395-965DA2F2F532}"/>
-              </a:ext>
-            </a:extLst>
-          </p:cNvPr>
-          <p:cNvCxnSpPr>
-            <a:stCxn id="26" idx="3"/>
-            <a:endCxn id="32" idx="1"/>
-          </p:cNvCxnSpPr>
-          <p:nvPr/>
-        </p:nvCxnSpPr>
-        <p:spPr>
-          <a:xfrm>
-            <a:off x="8496295" y="1645702"/>
-            <a:ext cx="1470241" cy="1009095"/>
+            <a:ext cx="1743969" cy="2415459"/>
           </a:xfrm>
           <a:prstGeom prst="straightConnector1">
             <a:avLst/>
@@ -4575,6 +4325,7 @@
             </a:extLst>
           </p:cNvPr>
           <p:cNvCxnSpPr>
+            <a:cxnSpLocks/>
             <a:stCxn id="12" idx="3"/>
             <a:endCxn id="32" idx="2"/>
           </p:cNvCxnSpPr>
@@ -4582,8 +4333,8 @@
         </p:nvCxnSpPr>
         <p:spPr>
           <a:xfrm flipV="1">
-            <a:off x="8505174" y="3346889"/>
-            <a:ext cx="1138936" cy="1"/>
+            <a:off x="8496295" y="3686456"/>
+            <a:ext cx="1421543" cy="6479"/>
           </a:xfrm>
           <a:prstGeom prst="straightConnector1">
             <a:avLst/>
@@ -4617,14 +4368,16 @@
             </a:extLst>
           </p:cNvPr>
           <p:cNvCxnSpPr>
+            <a:cxnSpLocks/>
+            <a:stCxn id="24" idx="3"/>
             <a:endCxn id="32" idx="3"/>
           </p:cNvCxnSpPr>
           <p:nvPr/>
         </p:nvCxnSpPr>
         <p:spPr>
           <a:xfrm flipV="1">
-            <a:off x="8505173" y="4038980"/>
-            <a:ext cx="1461363" cy="2131377"/>
+            <a:off x="8505174" y="4378547"/>
+            <a:ext cx="1735090" cy="1810677"/>
           </a:xfrm>
           <a:prstGeom prst="straightConnector1">
             <a:avLst/>
@@ -4658,6 +4411,7 @@
             </a:extLst>
           </p:cNvPr>
           <p:cNvCxnSpPr>
+            <a:cxnSpLocks/>
             <a:stCxn id="11" idx="3"/>
             <a:endCxn id="32" idx="2"/>
           </p:cNvCxnSpPr>
@@ -4665,8 +4419,8 @@
         </p:nvCxnSpPr>
         <p:spPr>
           <a:xfrm>
-            <a:off x="8499255" y="2605605"/>
-            <a:ext cx="1144855" cy="741284"/>
+            <a:off x="8514049" y="2805537"/>
+            <a:ext cx="1403789" cy="880919"/>
           </a:xfrm>
           <a:prstGeom prst="line">
             <a:avLst/>
@@ -4697,6 +4451,7 @@
             </a:extLst>
           </p:cNvPr>
           <p:cNvCxnSpPr>
+            <a:cxnSpLocks/>
             <a:stCxn id="23" idx="3"/>
             <a:endCxn id="32" idx="2"/>
           </p:cNvCxnSpPr>
@@ -4704,47 +4459,8 @@
         </p:nvCxnSpPr>
         <p:spPr>
           <a:xfrm flipV="1">
-            <a:off x="8505175" y="3346889"/>
-            <a:ext cx="1138935" cy="732409"/>
-          </a:xfrm>
-          <a:prstGeom prst="line">
-            <a:avLst/>
-          </a:prstGeom>
-        </p:spPr>
-        <p:style>
-          <a:lnRef idx="1">
-            <a:schemeClr val="dk1"/>
-          </a:lnRef>
-          <a:fillRef idx="0">
-            <a:schemeClr val="dk1"/>
-          </a:fillRef>
-          <a:effectRef idx="0">
-            <a:schemeClr val="dk1"/>
-          </a:effectRef>
-          <a:fontRef idx="minor">
-            <a:schemeClr val="tx1"/>
-          </a:fontRef>
-        </p:style>
-      </p:cxnSp>
-      <p:cxnSp>
-        <p:nvCxnSpPr>
-          <p:cNvPr id="82" name="Connettore diritto 81">
-            <a:extLst>
-              <a:ext uri="{FF2B5EF4-FFF2-40B4-BE49-F238E27FC236}">
-                <a16:creationId xmlns:a16="http://schemas.microsoft.com/office/drawing/2014/main" id="{54EFD10F-8A59-56DD-5BE1-EB35DF856E6C}"/>
-              </a:ext>
-            </a:extLst>
-          </p:cNvPr>
-          <p:cNvCxnSpPr>
-            <a:stCxn id="14" idx="3"/>
-            <a:endCxn id="32" idx="2"/>
-          </p:cNvCxnSpPr>
-          <p:nvPr/>
-        </p:nvCxnSpPr>
-        <p:spPr>
-          <a:xfrm flipV="1">
-            <a:off x="8505175" y="3346889"/>
-            <a:ext cx="1138935" cy="1384923"/>
+            <a:off x="8514049" y="3686456"/>
+            <a:ext cx="1403789" cy="893876"/>
           </a:xfrm>
           <a:prstGeom prst="line">
             <a:avLst/>
@@ -4781,7 +4497,7 @@
             </p:nvSpPr>
             <p:spPr>
               <a:xfrm>
-                <a:off x="6348647" y="910339"/>
+                <a:off x="6375278" y="1396947"/>
                 <a:ext cx="2138771" cy="390615"/>
               </a:xfrm>
               <a:prstGeom prst="roundRect">
@@ -4869,7 +4585,7 @@
             </p:nvSpPr>
             <p:spPr>
               <a:xfrm>
-                <a:off x="6348647" y="910339"/>
+                <a:off x="6375278" y="1396947"/>
                 <a:ext cx="2138771" cy="390615"/>
               </a:xfrm>
               <a:prstGeom prst="roundRect">
@@ -4918,9 +4634,9 @@
           <p:nvPr/>
         </p:nvCxnSpPr>
         <p:spPr>
-          <a:xfrm flipV="1">
-            <a:off x="4747338" y="1105647"/>
-            <a:ext cx="1601309" cy="6656"/>
+          <a:xfrm>
+            <a:off x="4747338" y="1112303"/>
+            <a:ext cx="1627940" cy="479952"/>
           </a:xfrm>
           <a:prstGeom prst="straightConnector1">
             <a:avLst/>
@@ -4961,8 +4677,8 @@
         </p:nvCxnSpPr>
         <p:spPr>
           <a:xfrm>
-            <a:off x="8487418" y="1105647"/>
-            <a:ext cx="1479118" cy="1549150"/>
+            <a:off x="8514049" y="1592255"/>
+            <a:ext cx="1726215" cy="1402109"/>
           </a:xfrm>
           <a:prstGeom prst="straightConnector1">
             <a:avLst/>

--- a/Slides/Fig1.pptx
+++ b/Slides/Fig1.pptx
@@ -259,7 +259,7 @@
           <a:p>
             <a:fld id="{EA478414-558D-4B66-B5B4-B7F7E965380B}" type="datetimeFigureOut">
               <a:rPr lang="it-IT" smtClean="0"/>
-              <a:t>20/02/2023</a:t>
+              <a:t>25/05/2023</a:t>
             </a:fld>
             <a:endParaRPr lang="it-IT"/>
           </a:p>
@@ -457,7 +457,7 @@
           <a:p>
             <a:fld id="{EA478414-558D-4B66-B5B4-B7F7E965380B}" type="datetimeFigureOut">
               <a:rPr lang="it-IT" smtClean="0"/>
-              <a:t>20/02/2023</a:t>
+              <a:t>25/05/2023</a:t>
             </a:fld>
             <a:endParaRPr lang="it-IT"/>
           </a:p>
@@ -665,7 +665,7 @@
           <a:p>
             <a:fld id="{EA478414-558D-4B66-B5B4-B7F7E965380B}" type="datetimeFigureOut">
               <a:rPr lang="it-IT" smtClean="0"/>
-              <a:t>20/02/2023</a:t>
+              <a:t>25/05/2023</a:t>
             </a:fld>
             <a:endParaRPr lang="it-IT"/>
           </a:p>
@@ -863,7 +863,7 @@
           <a:p>
             <a:fld id="{EA478414-558D-4B66-B5B4-B7F7E965380B}" type="datetimeFigureOut">
               <a:rPr lang="it-IT" smtClean="0"/>
-              <a:t>20/02/2023</a:t>
+              <a:t>25/05/2023</a:t>
             </a:fld>
             <a:endParaRPr lang="it-IT"/>
           </a:p>
@@ -1138,7 +1138,7 @@
           <a:p>
             <a:fld id="{EA478414-558D-4B66-B5B4-B7F7E965380B}" type="datetimeFigureOut">
               <a:rPr lang="it-IT" smtClean="0"/>
-              <a:t>20/02/2023</a:t>
+              <a:t>25/05/2023</a:t>
             </a:fld>
             <a:endParaRPr lang="it-IT"/>
           </a:p>
@@ -1403,7 +1403,7 @@
           <a:p>
             <a:fld id="{EA478414-558D-4B66-B5B4-B7F7E965380B}" type="datetimeFigureOut">
               <a:rPr lang="it-IT" smtClean="0"/>
-              <a:t>20/02/2023</a:t>
+              <a:t>25/05/2023</a:t>
             </a:fld>
             <a:endParaRPr lang="it-IT"/>
           </a:p>
@@ -1815,7 +1815,7 @@
           <a:p>
             <a:fld id="{EA478414-558D-4B66-B5B4-B7F7E965380B}" type="datetimeFigureOut">
               <a:rPr lang="it-IT" smtClean="0"/>
-              <a:t>20/02/2023</a:t>
+              <a:t>25/05/2023</a:t>
             </a:fld>
             <a:endParaRPr lang="it-IT"/>
           </a:p>
@@ -1956,7 +1956,7 @@
           <a:p>
             <a:fld id="{EA478414-558D-4B66-B5B4-B7F7E965380B}" type="datetimeFigureOut">
               <a:rPr lang="it-IT" smtClean="0"/>
-              <a:t>20/02/2023</a:t>
+              <a:t>25/05/2023</a:t>
             </a:fld>
             <a:endParaRPr lang="it-IT"/>
           </a:p>
@@ -2069,7 +2069,7 @@
           <a:p>
             <a:fld id="{EA478414-558D-4B66-B5B4-B7F7E965380B}" type="datetimeFigureOut">
               <a:rPr lang="it-IT" smtClean="0"/>
-              <a:t>20/02/2023</a:t>
+              <a:t>25/05/2023</a:t>
             </a:fld>
             <a:endParaRPr lang="it-IT"/>
           </a:p>
@@ -2380,7 +2380,7 @@
           <a:p>
             <a:fld id="{EA478414-558D-4B66-B5B4-B7F7E965380B}" type="datetimeFigureOut">
               <a:rPr lang="it-IT" smtClean="0"/>
-              <a:t>20/02/2023</a:t>
+              <a:t>25/05/2023</a:t>
             </a:fld>
             <a:endParaRPr lang="it-IT"/>
           </a:p>
@@ -2668,7 +2668,7 @@
           <a:p>
             <a:fld id="{EA478414-558D-4B66-B5B4-B7F7E965380B}" type="datetimeFigureOut">
               <a:rPr lang="it-IT" smtClean="0"/>
-              <a:t>20/02/2023</a:t>
+              <a:t>25/05/2023</a:t>
             </a:fld>
             <a:endParaRPr lang="it-IT"/>
           </a:p>
@@ -2909,7 +2909,7 @@
           <a:p>
             <a:fld id="{EA478414-558D-4B66-B5B4-B7F7E965380B}" type="datetimeFigureOut">
               <a:rPr lang="it-IT" smtClean="0"/>
-              <a:t>20/02/2023</a:t>
+              <a:t>25/05/2023</a:t>
             </a:fld>
             <a:endParaRPr lang="it-IT"/>
           </a:p>
@@ -3340,8 +3340,8 @@
         </p:nvSpPr>
         <p:spPr>
           <a:xfrm>
-            <a:off x="645019" y="3191527"/>
-            <a:ext cx="784286" cy="1020931"/>
+            <a:off x="65131" y="3087127"/>
+            <a:ext cx="1108463" cy="1211614"/>
           </a:xfrm>
           <a:prstGeom prst="can">
             <a:avLst/>
@@ -3373,17 +3373,29 @@
             <a:pPr algn="ctr"/>
             <a:r>
               <a:rPr lang="it-IT" dirty="0"/>
-              <a:t>Data</a:t>
-            </a:r>
-          </a:p>
-        </p:txBody>
-      </p:sp>
-      <p:sp>
-        <p:nvSpPr>
-          <p:cNvPr id="5" name="Rettangolo con angoli arrotondati 4">
-            <a:extLst>
-              <a:ext uri="{FF2B5EF4-FFF2-40B4-BE49-F238E27FC236}">
-                <a16:creationId xmlns:a16="http://schemas.microsoft.com/office/drawing/2014/main" id="{6C3A531A-143F-293A-DDD6-5EC26DD917D0}"/>
+              <a:t>PDB</a:t>
+            </a:r>
+          </a:p>
+          <a:p>
+            <a:pPr algn="ctr"/>
+            <a:r>
+              <a:rPr lang="it-IT" dirty="0"/>
+              <a:t>Spike </a:t>
+            </a:r>
+            <a:r>
+              <a:rPr lang="it-IT" dirty="0" err="1"/>
+              <a:t>variants</a:t>
+            </a:r>
+            <a:endParaRPr lang="it-IT" dirty="0"/>
+          </a:p>
+        </p:txBody>
+      </p:sp>
+      <p:sp>
+        <p:nvSpPr>
+          <p:cNvPr id="11" name="Rettangolo con angoli arrotondati 10">
+            <a:extLst>
+              <a:ext uri="{FF2B5EF4-FFF2-40B4-BE49-F238E27FC236}">
+                <a16:creationId xmlns:a16="http://schemas.microsoft.com/office/drawing/2014/main" id="{EF114069-E505-C2A0-5189-3522900ACAF0}"/>
               </a:ext>
             </a:extLst>
           </p:cNvPr>
@@ -3392,8 +3404,8 @@
         </p:nvSpPr>
         <p:spPr>
           <a:xfrm>
-            <a:off x="2800170" y="3397931"/>
-            <a:ext cx="1947168" cy="577050"/>
+            <a:off x="6375278" y="2468179"/>
+            <a:ext cx="2138771" cy="532665"/>
           </a:xfrm>
           <a:prstGeom prst="roundRect">
             <a:avLst/>
@@ -3425,17 +3437,22 @@
             <a:pPr algn="ctr"/>
             <a:r>
               <a:rPr lang="it-IT" dirty="0"/>
-              <a:t>PCNs Analysis</a:t>
-            </a:r>
-          </a:p>
-        </p:txBody>
-      </p:sp>
-      <p:sp>
-        <p:nvSpPr>
-          <p:cNvPr id="11" name="Rettangolo con angoli arrotondati 10">
-            <a:extLst>
-              <a:ext uri="{FF2B5EF4-FFF2-40B4-BE49-F238E27FC236}">
-                <a16:creationId xmlns:a16="http://schemas.microsoft.com/office/drawing/2014/main" id="{EF114069-E505-C2A0-5189-3522900ACAF0}"/>
+              <a:t>Compute residue centrality </a:t>
+            </a:r>
+            <a:r>
+              <a:rPr lang="it-IT" dirty="0" err="1"/>
+              <a:t>values</a:t>
+            </a:r>
+            <a:endParaRPr lang="it-IT" dirty="0"/>
+          </a:p>
+        </p:txBody>
+      </p:sp>
+      <p:sp>
+        <p:nvSpPr>
+          <p:cNvPr id="12" name="Rettangolo con angoli arrotondati 11">
+            <a:extLst>
+              <a:ext uri="{FF2B5EF4-FFF2-40B4-BE49-F238E27FC236}">
+                <a16:creationId xmlns:a16="http://schemas.microsoft.com/office/drawing/2014/main" id="{277BF4CE-E20E-3FD8-7F4B-BF142C0376D8}"/>
               </a:ext>
             </a:extLst>
           </p:cNvPr>
@@ -3444,8 +3461,8 @@
         </p:nvSpPr>
         <p:spPr>
           <a:xfrm>
-            <a:off x="6375278" y="2610229"/>
-            <a:ext cx="2138771" cy="390615"/>
+            <a:off x="6357524" y="3315635"/>
+            <a:ext cx="2138771" cy="754599"/>
           </a:xfrm>
           <a:prstGeom prst="roundRect">
             <a:avLst/>
@@ -3476,18 +3493,22 @@
           <a:p>
             <a:pPr algn="ctr"/>
             <a:r>
+              <a:rPr lang="it-IT" dirty="0" err="1"/>
+              <a:t>Find</a:t>
+            </a:r>
+            <a:r>
               <a:rPr lang="it-IT" dirty="0"/>
-              <a:t>Centrality Analysis</a:t>
-            </a:r>
-          </a:p>
-        </p:txBody>
-      </p:sp>
-      <p:sp>
-        <p:nvSpPr>
-          <p:cNvPr id="12" name="Rettangolo con angoli arrotondati 11">
-            <a:extLst>
-              <a:ext uri="{FF2B5EF4-FFF2-40B4-BE49-F238E27FC236}">
-                <a16:creationId xmlns:a16="http://schemas.microsoft.com/office/drawing/2014/main" id="{277BF4CE-E20E-3FD8-7F4B-BF142C0376D8}"/>
+              <a:t> Louvain Communities</a:t>
+            </a:r>
+          </a:p>
+        </p:txBody>
+      </p:sp>
+      <p:sp>
+        <p:nvSpPr>
+          <p:cNvPr id="13" name="Rettangolo con angoli arrotondati 12">
+            <a:extLst>
+              <a:ext uri="{FF2B5EF4-FFF2-40B4-BE49-F238E27FC236}">
+                <a16:creationId xmlns:a16="http://schemas.microsoft.com/office/drawing/2014/main" id="{866EECF9-DF18-6326-4D6E-8E61C452D38A}"/>
               </a:ext>
             </a:extLst>
           </p:cNvPr>
@@ -3496,12 +3517,15 @@
         </p:nvSpPr>
         <p:spPr>
           <a:xfrm>
-            <a:off x="6357524" y="3315635"/>
-            <a:ext cx="2138771" cy="754599"/>
+            <a:off x="6351607" y="222885"/>
+            <a:ext cx="2144688" cy="551327"/>
           </a:xfrm>
           <a:prstGeom prst="roundRect">
             <a:avLst/>
           </a:prstGeom>
+          <a:solidFill>
+            <a:schemeClr val="accent6"/>
+          </a:solidFill>
           <a:ln>
             <a:solidFill>
               <a:schemeClr val="tx1"/>
@@ -3529,17 +3553,33 @@
             <a:pPr algn="ctr"/>
             <a:r>
               <a:rPr lang="it-IT" dirty="0"/>
-              <a:t>Community Detection Analysis</a:t>
-            </a:r>
-          </a:p>
-        </p:txBody>
-      </p:sp>
-      <p:sp>
-        <p:nvSpPr>
-          <p:cNvPr id="13" name="Rettangolo con angoli arrotondati 12">
-            <a:extLst>
-              <a:ext uri="{FF2B5EF4-FFF2-40B4-BE49-F238E27FC236}">
-                <a16:creationId xmlns:a16="http://schemas.microsoft.com/office/drawing/2014/main" id="{866EECF9-DF18-6326-4D6E-8E61C452D38A}"/>
+              <a:t>Compute TM-scores</a:t>
+            </a:r>
+          </a:p>
+          <a:p>
+            <a:pPr algn="ctr"/>
+            <a:r>
+              <a:rPr lang="it-IT" dirty="0" err="1"/>
+              <a:t>between</a:t>
+            </a:r>
+            <a:r>
+              <a:rPr lang="it-IT" dirty="0"/>
+              <a:t> </a:t>
+            </a:r>
+            <a:r>
+              <a:rPr lang="it-IT" dirty="0" err="1"/>
+              <a:t>variants</a:t>
+            </a:r>
+            <a:endParaRPr lang="it-IT" dirty="0"/>
+          </a:p>
+        </p:txBody>
+      </p:sp>
+      <p:sp>
+        <p:nvSpPr>
+          <p:cNvPr id="23" name="Rettangolo con angoli arrotondati 22">
+            <a:extLst>
+              <a:ext uri="{FF2B5EF4-FFF2-40B4-BE49-F238E27FC236}">
+                <a16:creationId xmlns:a16="http://schemas.microsoft.com/office/drawing/2014/main" id="{482A2222-484A-F2A3-ECDC-BEF7FAE8B5C5}"/>
               </a:ext>
             </a:extLst>
           </p:cNvPr>
@@ -3548,15 +3588,12 @@
         </p:nvSpPr>
         <p:spPr>
           <a:xfrm>
-            <a:off x="6351607" y="383597"/>
-            <a:ext cx="2144688" cy="390615"/>
+            <a:off x="6369359" y="4141757"/>
+            <a:ext cx="2144690" cy="776289"/>
           </a:xfrm>
           <a:prstGeom prst="roundRect">
             <a:avLst/>
           </a:prstGeom>
-          <a:solidFill>
-            <a:schemeClr val="accent6"/>
-          </a:solidFill>
           <a:ln>
             <a:solidFill>
               <a:schemeClr val="tx1"/>
@@ -3584,17 +3621,38 @@
             <a:pPr algn="ctr"/>
             <a:r>
               <a:rPr lang="it-IT" dirty="0"/>
-              <a:t>TM-scores</a:t>
-            </a:r>
-          </a:p>
-        </p:txBody>
-      </p:sp>
-      <p:sp>
-        <p:nvSpPr>
-          <p:cNvPr id="23" name="Rettangolo con angoli arrotondati 22">
-            <a:extLst>
-              <a:ext uri="{FF2B5EF4-FFF2-40B4-BE49-F238E27FC236}">
-                <a16:creationId xmlns:a16="http://schemas.microsoft.com/office/drawing/2014/main" id="{482A2222-484A-F2A3-ECDC-BEF7FAE8B5C5}"/>
+              <a:t>Compute PCNs contact </a:t>
+            </a:r>
+            <a:r>
+              <a:rPr lang="it-IT" dirty="0" err="1"/>
+              <a:t>similarity</a:t>
+            </a:r>
+            <a:r>
+              <a:rPr lang="it-IT" dirty="0"/>
+              <a:t> </a:t>
+            </a:r>
+            <a:r>
+              <a:rPr lang="it-IT" dirty="0" err="1"/>
+              <a:t>between</a:t>
+            </a:r>
+            <a:r>
+              <a:rPr lang="it-IT" dirty="0"/>
+              <a:t> </a:t>
+            </a:r>
+            <a:r>
+              <a:rPr lang="it-IT" dirty="0" err="1"/>
+              <a:t>variants</a:t>
+            </a:r>
+            <a:endParaRPr lang="it-IT" dirty="0"/>
+          </a:p>
+        </p:txBody>
+      </p:sp>
+      <p:sp>
+        <p:nvSpPr>
+          <p:cNvPr id="22" name="Rettangolo con angoli arrotondati 21">
+            <a:extLst>
+              <a:ext uri="{FF2B5EF4-FFF2-40B4-BE49-F238E27FC236}">
+                <a16:creationId xmlns:a16="http://schemas.microsoft.com/office/drawing/2014/main" id="{9427E548-B14C-8BE6-BAC4-3FFB644F51FF}"/>
               </a:ext>
             </a:extLst>
           </p:cNvPr>
@@ -3603,12 +3661,15 @@
         </p:nvSpPr>
         <p:spPr>
           <a:xfrm>
-            <a:off x="6369359" y="4385024"/>
-            <a:ext cx="2144690" cy="390615"/>
+            <a:off x="2800170" y="5862965"/>
+            <a:ext cx="1947168" cy="577050"/>
           </a:xfrm>
           <a:prstGeom prst="roundRect">
             <a:avLst/>
           </a:prstGeom>
+          <a:solidFill>
+            <a:schemeClr val="accent2"/>
+          </a:solidFill>
           <a:ln>
             <a:solidFill>
               <a:schemeClr val="tx1"/>
@@ -3635,23 +3696,22 @@
           <a:p>
             <a:pPr algn="ctr"/>
             <a:r>
+              <a:rPr lang="it-IT" dirty="0" err="1"/>
+              <a:t>Sequence</a:t>
+            </a:r>
+            <a:r>
               <a:rPr lang="it-IT" dirty="0"/>
-              <a:t>Contact </a:t>
-            </a:r>
-            <a:r>
-              <a:rPr lang="it-IT" dirty="0" err="1"/>
-              <a:t>Similarity</a:t>
-            </a:r>
-            <a:endParaRPr lang="it-IT" dirty="0"/>
-          </a:p>
-        </p:txBody>
-      </p:sp>
-      <p:sp>
-        <p:nvSpPr>
-          <p:cNvPr id="22" name="Rettangolo con angoli arrotondati 21">
-            <a:extLst>
-              <a:ext uri="{FF2B5EF4-FFF2-40B4-BE49-F238E27FC236}">
-                <a16:creationId xmlns:a16="http://schemas.microsoft.com/office/drawing/2014/main" id="{9427E548-B14C-8BE6-BAC4-3FFB644F51FF}"/>
+              <a:t> Analysis</a:t>
+            </a:r>
+          </a:p>
+        </p:txBody>
+      </p:sp>
+      <p:sp>
+        <p:nvSpPr>
+          <p:cNvPr id="24" name="Rettangolo con angoli arrotondati 23">
+            <a:extLst>
+              <a:ext uri="{FF2B5EF4-FFF2-40B4-BE49-F238E27FC236}">
+                <a16:creationId xmlns:a16="http://schemas.microsoft.com/office/drawing/2014/main" id="{52062245-FD94-012C-EFF7-D77214813F80}"/>
               </a:ext>
             </a:extLst>
           </p:cNvPr>
@@ -3660,8 +3720,8 @@
         </p:nvSpPr>
         <p:spPr>
           <a:xfrm>
-            <a:off x="2800170" y="5862965"/>
-            <a:ext cx="1947168" cy="577050"/>
+            <a:off x="6351606" y="5212864"/>
+            <a:ext cx="2144689" cy="478956"/>
           </a:xfrm>
           <a:prstGeom prst="roundRect">
             <a:avLst/>
@@ -3695,67 +3755,12 @@
           <a:p>
             <a:pPr algn="ctr"/>
             <a:r>
+              <a:rPr lang="it-IT" dirty="0"/>
+              <a:t>Compute </a:t>
+            </a:r>
+            <a:r>
               <a:rPr lang="it-IT" dirty="0" err="1"/>
-              <a:t>Sequence</a:t>
-            </a:r>
-            <a:r>
-              <a:rPr lang="it-IT" dirty="0"/>
-              <a:t> Analysis</a:t>
-            </a:r>
-          </a:p>
-        </p:txBody>
-      </p:sp>
-      <p:sp>
-        <p:nvSpPr>
-          <p:cNvPr id="24" name="Rettangolo con angoli arrotondati 23">
-            <a:extLst>
-              <a:ext uri="{FF2B5EF4-FFF2-40B4-BE49-F238E27FC236}">
-                <a16:creationId xmlns:a16="http://schemas.microsoft.com/office/drawing/2014/main" id="{52062245-FD94-012C-EFF7-D77214813F80}"/>
-              </a:ext>
-            </a:extLst>
-          </p:cNvPr>
-          <p:cNvSpPr/>
-          <p:nvPr/>
-        </p:nvSpPr>
-        <p:spPr>
-          <a:xfrm>
-            <a:off x="6360485" y="5993916"/>
-            <a:ext cx="2144689" cy="390615"/>
-          </a:xfrm>
-          <a:prstGeom prst="roundRect">
-            <a:avLst/>
-          </a:prstGeom>
-          <a:solidFill>
-            <a:schemeClr val="accent2"/>
-          </a:solidFill>
-          <a:ln>
-            <a:solidFill>
-              <a:schemeClr val="tx1"/>
-            </a:solidFill>
-          </a:ln>
-        </p:spPr>
-        <p:style>
-          <a:lnRef idx="1">
-            <a:schemeClr val="accent4"/>
-          </a:lnRef>
-          <a:fillRef idx="2">
-            <a:schemeClr val="accent4"/>
-          </a:fillRef>
-          <a:effectRef idx="1">
-            <a:schemeClr val="accent4"/>
-          </a:effectRef>
-          <a:fontRef idx="minor">
-            <a:schemeClr val="dk1"/>
-          </a:fontRef>
-        </p:style>
-        <p:txBody>
-          <a:bodyPr rtlCol="0" anchor="ctr"/>
-          <a:lstStyle/>
-          <a:p>
-            <a:pPr algn="ctr"/>
-            <a:r>
-              <a:rPr lang="it-IT" dirty="0" err="1"/>
-              <a:t>Sequence</a:t>
+              <a:t>sequence</a:t>
             </a:r>
             <a:r>
               <a:rPr lang="it-IT" dirty="0"/>
@@ -3763,7 +3768,7 @@
             </a:r>
             <a:r>
               <a:rPr lang="it-IT" dirty="0" err="1"/>
-              <a:t>Distance</a:t>
+              <a:t>distance</a:t>
             </a:r>
             <a:endParaRPr lang="it-IT" dirty="0"/>
           </a:p>
@@ -3912,59 +3917,15 @@
       </p:sp>
       <p:cxnSp>
         <p:nvCxnSpPr>
-          <p:cNvPr id="34" name="Connettore 2 33">
-            <a:extLst>
-              <a:ext uri="{FF2B5EF4-FFF2-40B4-BE49-F238E27FC236}">
-                <a16:creationId xmlns:a16="http://schemas.microsoft.com/office/drawing/2014/main" id="{DDDB375F-8AB7-978B-C884-289250A1EC02}"/>
+          <p:cNvPr id="36" name="Connettore 2 35">
+            <a:extLst>
+              <a:ext uri="{FF2B5EF4-FFF2-40B4-BE49-F238E27FC236}">
+                <a16:creationId xmlns:a16="http://schemas.microsoft.com/office/drawing/2014/main" id="{1BE0C74B-4913-7F44-AFCB-01CD6CAD7905}"/>
               </a:ext>
             </a:extLst>
           </p:cNvPr>
           <p:cNvCxnSpPr>
-            <a:stCxn id="4" idx="4"/>
-            <a:endCxn id="5" idx="1"/>
-          </p:cNvCxnSpPr>
-          <p:nvPr/>
-        </p:nvCxnSpPr>
-        <p:spPr>
-          <a:xfrm flipV="1">
-            <a:off x="1429305" y="3686456"/>
-            <a:ext cx="1370865" cy="15537"/>
-          </a:xfrm>
-          <a:prstGeom prst="straightConnector1">
-            <a:avLst/>
-          </a:prstGeom>
-          <a:ln>
-            <a:solidFill>
-              <a:schemeClr val="tx1"/>
-            </a:solidFill>
-            <a:tailEnd type="triangle"/>
-          </a:ln>
-        </p:spPr>
-        <p:style>
-          <a:lnRef idx="1">
-            <a:schemeClr val="accent1"/>
-          </a:lnRef>
-          <a:fillRef idx="0">
-            <a:schemeClr val="accent1"/>
-          </a:fillRef>
-          <a:effectRef idx="0">
-            <a:schemeClr val="accent1"/>
-          </a:effectRef>
-          <a:fontRef idx="minor">
-            <a:schemeClr val="tx1"/>
-          </a:fontRef>
-        </p:style>
-      </p:cxnSp>
-      <p:cxnSp>
-        <p:nvCxnSpPr>
-          <p:cNvPr id="36" name="Connettore 2 35">
-            <a:extLst>
-              <a:ext uri="{FF2B5EF4-FFF2-40B4-BE49-F238E27FC236}">
-                <a16:creationId xmlns:a16="http://schemas.microsoft.com/office/drawing/2014/main" id="{1BE0C74B-4913-7F44-AFCB-01CD6CAD7905}"/>
-              </a:ext>
-            </a:extLst>
-          </p:cNvPr>
-          <p:cNvCxnSpPr>
+            <a:cxnSpLocks/>
             <a:stCxn id="4" idx="4"/>
             <a:endCxn id="28" idx="1"/>
           </p:cNvCxnSpPr>
@@ -3972,8 +3933,8 @@
         </p:nvCxnSpPr>
         <p:spPr>
           <a:xfrm flipV="1">
-            <a:off x="1429305" y="1112303"/>
-            <a:ext cx="1370865" cy="2589690"/>
+            <a:off x="1173594" y="1112303"/>
+            <a:ext cx="1626576" cy="2580631"/>
           </a:xfrm>
           <a:prstGeom prst="straightConnector1">
             <a:avLst/>
@@ -4010,6 +3971,7 @@
             </a:extLst>
           </p:cNvPr>
           <p:cNvCxnSpPr>
+            <a:cxnSpLocks/>
             <a:stCxn id="4" idx="4"/>
             <a:endCxn id="22" idx="1"/>
           </p:cNvCxnSpPr>
@@ -4017,8 +3979,8 @@
         </p:nvCxnSpPr>
         <p:spPr>
           <a:xfrm>
-            <a:off x="1429305" y="3701993"/>
-            <a:ext cx="1370865" cy="2449497"/>
+            <a:off x="1173594" y="3692934"/>
+            <a:ext cx="1626576" cy="2458556"/>
           </a:xfrm>
           <a:prstGeom prst="straightConnector1">
             <a:avLst/>
@@ -4055,6 +4017,7 @@
             </a:extLst>
           </p:cNvPr>
           <p:cNvCxnSpPr>
+            <a:cxnSpLocks/>
             <a:stCxn id="28" idx="3"/>
             <a:endCxn id="13" idx="1"/>
           </p:cNvCxnSpPr>
@@ -4062,8 +4025,8 @@
         </p:nvCxnSpPr>
         <p:spPr>
           <a:xfrm flipV="1">
-            <a:off x="4747338" y="578905"/>
-            <a:ext cx="1604269" cy="533398"/>
+            <a:off x="4747338" y="498549"/>
+            <a:ext cx="1604269" cy="613754"/>
           </a:xfrm>
           <a:prstGeom prst="straightConnector1">
             <a:avLst/>
@@ -4101,15 +4064,15 @@
           </p:cNvPr>
           <p:cNvCxnSpPr>
             <a:cxnSpLocks/>
-            <a:stCxn id="5" idx="3"/>
+            <a:stCxn id="19" idx="3"/>
             <a:endCxn id="11" idx="1"/>
           </p:cNvCxnSpPr>
           <p:nvPr/>
         </p:nvCxnSpPr>
         <p:spPr>
           <a:xfrm flipV="1">
-            <a:off x="4747338" y="2805537"/>
-            <a:ext cx="1627940" cy="880919"/>
+            <a:off x="4373241" y="2734512"/>
+            <a:ext cx="2002037" cy="958423"/>
           </a:xfrm>
           <a:prstGeom prst="straightConnector1">
             <a:avLst/>
@@ -4147,15 +4110,15 @@
           </p:cNvPr>
           <p:cNvCxnSpPr>
             <a:cxnSpLocks/>
-            <a:stCxn id="5" idx="3"/>
+            <a:stCxn id="19" idx="3"/>
             <a:endCxn id="12" idx="1"/>
           </p:cNvCxnSpPr>
           <p:nvPr/>
         </p:nvCxnSpPr>
         <p:spPr>
           <a:xfrm>
-            <a:off x="4747338" y="3686456"/>
-            <a:ext cx="1610186" cy="6479"/>
+            <a:off x="4373241" y="3692935"/>
+            <a:ext cx="1984283" cy="0"/>
           </a:xfrm>
           <a:prstGeom prst="straightConnector1">
             <a:avLst/>
@@ -4193,15 +4156,15 @@
           </p:cNvPr>
           <p:cNvCxnSpPr>
             <a:cxnSpLocks/>
-            <a:stCxn id="5" idx="3"/>
+            <a:stCxn id="19" idx="3"/>
             <a:endCxn id="23" idx="1"/>
           </p:cNvCxnSpPr>
           <p:nvPr/>
         </p:nvCxnSpPr>
         <p:spPr>
           <a:xfrm>
-            <a:off x="4747338" y="3686456"/>
-            <a:ext cx="1622021" cy="893876"/>
+            <a:off x="4373241" y="3692935"/>
+            <a:ext cx="1996118" cy="836967"/>
           </a:xfrm>
           <a:prstGeom prst="straightConnector1">
             <a:avLst/>
@@ -4238,15 +4201,16 @@
             </a:extLst>
           </p:cNvPr>
           <p:cNvCxnSpPr>
+            <a:cxnSpLocks/>
             <a:stCxn id="22" idx="3"/>
             <a:endCxn id="24" idx="1"/>
           </p:cNvCxnSpPr>
           <p:nvPr/>
         </p:nvCxnSpPr>
         <p:spPr>
-          <a:xfrm>
-            <a:off x="4747338" y="6151490"/>
-            <a:ext cx="1613147" cy="37734"/>
+          <a:xfrm flipV="1">
+            <a:off x="4747338" y="5452342"/>
+            <a:ext cx="1604268" cy="699148"/>
           </a:xfrm>
           <a:prstGeom prst="straightConnector1">
             <a:avLst/>
@@ -4283,6 +4247,7 @@
             </a:extLst>
           </p:cNvPr>
           <p:cNvCxnSpPr>
+            <a:cxnSpLocks/>
             <a:stCxn id="13" idx="3"/>
             <a:endCxn id="32" idx="1"/>
           </p:cNvCxnSpPr>
@@ -4290,8 +4255,8 @@
         </p:nvCxnSpPr>
         <p:spPr>
           <a:xfrm>
-            <a:off x="8496295" y="578905"/>
-            <a:ext cx="1743969" cy="2415459"/>
+            <a:off x="8496295" y="498549"/>
+            <a:ext cx="1743969" cy="2495815"/>
           </a:xfrm>
           <a:prstGeom prst="straightConnector1">
             <a:avLst/>
@@ -4376,8 +4341,8 @@
         </p:nvCxnSpPr>
         <p:spPr>
           <a:xfrm flipV="1">
-            <a:off x="8505174" y="4378547"/>
-            <a:ext cx="1735090" cy="1810677"/>
+            <a:off x="8496295" y="4378547"/>
+            <a:ext cx="1743969" cy="1073795"/>
           </a:xfrm>
           <a:prstGeom prst="straightConnector1">
             <a:avLst/>
@@ -4419,8 +4384,8 @@
         </p:nvCxnSpPr>
         <p:spPr>
           <a:xfrm>
-            <a:off x="8514049" y="2805537"/>
-            <a:ext cx="1403789" cy="880919"/>
+            <a:off x="8514049" y="2734512"/>
+            <a:ext cx="1403789" cy="951944"/>
           </a:xfrm>
           <a:prstGeom prst="line">
             <a:avLst/>
@@ -4460,7 +4425,7 @@
         <p:spPr>
           <a:xfrm flipV="1">
             <a:off x="8514049" y="3686456"/>
-            <a:ext cx="1403789" cy="893876"/>
+            <a:ext cx="1403789" cy="843446"/>
           </a:xfrm>
           <a:prstGeom prst="line">
             <a:avLst/>
@@ -4481,14 +4446,408 @@
           </a:fontRef>
         </p:style>
       </p:cxnSp>
-      <mc:AlternateContent xmlns:mc="http://schemas.openxmlformats.org/markup-compatibility/2006">
-        <mc:Choice xmlns:a14="http://schemas.microsoft.com/office/drawing/2010/main" Requires="a14">
+      <p:sp>
+        <p:nvSpPr>
+          <p:cNvPr id="2" name="Rettangolo con angoli arrotondati 1">
+            <a:extLst>
+              <a:ext uri="{FF2B5EF4-FFF2-40B4-BE49-F238E27FC236}">
+                <a16:creationId xmlns:a16="http://schemas.microsoft.com/office/drawing/2014/main" id="{306E657C-E314-7485-5A19-577814077497}"/>
+              </a:ext>
+            </a:extLst>
+          </p:cNvPr>
+          <p:cNvSpPr/>
+          <p:nvPr/>
+        </p:nvSpPr>
+        <p:spPr>
+          <a:xfrm>
+            <a:off x="6349852" y="822106"/>
+            <a:ext cx="2138771" cy="452222"/>
+          </a:xfrm>
+          <a:prstGeom prst="roundRect">
+            <a:avLst/>
+          </a:prstGeom>
+          <a:solidFill>
+            <a:schemeClr val="accent6"/>
+          </a:solidFill>
+          <a:ln>
+            <a:solidFill>
+              <a:schemeClr val="tx1"/>
+            </a:solidFill>
+          </a:ln>
+        </p:spPr>
+        <p:style>
+          <a:lnRef idx="1">
+            <a:schemeClr val="accent4"/>
+          </a:lnRef>
+          <a:fillRef idx="2">
+            <a:schemeClr val="accent4"/>
+          </a:fillRef>
+          <a:effectRef idx="1">
+            <a:schemeClr val="accent4"/>
+          </a:effectRef>
+          <a:fontRef idx="minor">
+            <a:schemeClr val="dk1"/>
+          </a:fontRef>
+        </p:style>
+        <p:txBody>
+          <a:bodyPr rtlCol="0" anchor="ctr"/>
+          <a:lstStyle/>
+          <a:p>
+            <a:pPr algn="ctr"/>
+            <a:r>
+              <a:rPr lang="it-IT"/>
+              <a:t>Compute pKa</a:t>
+            </a:r>
+            <a:endParaRPr lang="it-IT" dirty="0"/>
+          </a:p>
+        </p:txBody>
+      </p:sp>
+      <p:cxnSp>
+        <p:nvCxnSpPr>
+          <p:cNvPr id="6" name="Connettore 2 5">
+            <a:extLst>
+              <a:ext uri="{FF2B5EF4-FFF2-40B4-BE49-F238E27FC236}">
+                <a16:creationId xmlns:a16="http://schemas.microsoft.com/office/drawing/2014/main" id="{6D4B5D1C-E318-EA16-C9F8-7834AF4D867E}"/>
+              </a:ext>
+            </a:extLst>
+          </p:cNvPr>
+          <p:cNvCxnSpPr>
+            <a:cxnSpLocks/>
+            <a:stCxn id="28" idx="3"/>
+            <a:endCxn id="2" idx="1"/>
+          </p:cNvCxnSpPr>
+          <p:nvPr/>
+        </p:nvCxnSpPr>
+        <p:spPr>
+          <a:xfrm flipV="1">
+            <a:off x="4747338" y="1048217"/>
+            <a:ext cx="1602514" cy="64086"/>
+          </a:xfrm>
+          <a:prstGeom prst="straightConnector1">
+            <a:avLst/>
+          </a:prstGeom>
+          <a:ln>
+            <a:tailEnd type="triangle"/>
+          </a:ln>
+        </p:spPr>
+        <p:style>
+          <a:lnRef idx="1">
+            <a:schemeClr val="dk1"/>
+          </a:lnRef>
+          <a:fillRef idx="0">
+            <a:schemeClr val="dk1"/>
+          </a:fillRef>
+          <a:effectRef idx="0">
+            <a:schemeClr val="dk1"/>
+          </a:effectRef>
+          <a:fontRef idx="minor">
+            <a:schemeClr val="tx1"/>
+          </a:fontRef>
+        </p:style>
+      </p:cxnSp>
+      <p:cxnSp>
+        <p:nvCxnSpPr>
+          <p:cNvPr id="8" name="Connettore 2 7">
+            <a:extLst>
+              <a:ext uri="{FF2B5EF4-FFF2-40B4-BE49-F238E27FC236}">
+                <a16:creationId xmlns:a16="http://schemas.microsoft.com/office/drawing/2014/main" id="{83D2E2C6-BD5D-22A0-C327-3E4CFE9CE4F0}"/>
+              </a:ext>
+            </a:extLst>
+          </p:cNvPr>
+          <p:cNvCxnSpPr>
+            <a:cxnSpLocks/>
+            <a:stCxn id="2" idx="3"/>
+            <a:endCxn id="32" idx="1"/>
+          </p:cNvCxnSpPr>
+          <p:nvPr/>
+        </p:nvCxnSpPr>
+        <p:spPr>
+          <a:xfrm>
+            <a:off x="8488623" y="1048217"/>
+            <a:ext cx="1751641" cy="1946147"/>
+          </a:xfrm>
+          <a:prstGeom prst="straightConnector1">
+            <a:avLst/>
+          </a:prstGeom>
+          <a:ln>
+            <a:tailEnd type="triangle"/>
+          </a:ln>
+        </p:spPr>
+        <p:style>
+          <a:lnRef idx="1">
+            <a:schemeClr val="dk1"/>
+          </a:lnRef>
+          <a:fillRef idx="0">
+            <a:schemeClr val="dk1"/>
+          </a:fillRef>
+          <a:effectRef idx="0">
+            <a:schemeClr val="dk1"/>
+          </a:effectRef>
+          <a:fontRef idx="minor">
+            <a:schemeClr val="tx1"/>
+          </a:fontRef>
+        </p:style>
+      </p:cxnSp>
+      <p:sp>
+        <p:nvSpPr>
+          <p:cNvPr id="19" name="Rettangolo con angoli arrotondati 18">
+            <a:extLst>
+              <a:ext uri="{FF2B5EF4-FFF2-40B4-BE49-F238E27FC236}">
+                <a16:creationId xmlns:a16="http://schemas.microsoft.com/office/drawing/2014/main" id="{365B221D-3EFB-9F9D-5024-44A8DA2BEDFF}"/>
+              </a:ext>
+            </a:extLst>
+          </p:cNvPr>
+          <p:cNvSpPr/>
+          <p:nvPr/>
+        </p:nvSpPr>
+        <p:spPr>
+          <a:xfrm>
+            <a:off x="3264778" y="3404410"/>
+            <a:ext cx="1108463" cy="577050"/>
+          </a:xfrm>
+          <a:prstGeom prst="roundRect">
+            <a:avLst/>
+          </a:prstGeom>
+          <a:ln>
+            <a:solidFill>
+              <a:schemeClr val="tx1"/>
+            </a:solidFill>
+          </a:ln>
+        </p:spPr>
+        <p:style>
+          <a:lnRef idx="1">
+            <a:schemeClr val="accent4"/>
+          </a:lnRef>
+          <a:fillRef idx="2">
+            <a:schemeClr val="accent4"/>
+          </a:fillRef>
+          <a:effectRef idx="1">
+            <a:schemeClr val="accent4"/>
+          </a:effectRef>
+          <a:fontRef idx="minor">
+            <a:schemeClr val="dk1"/>
+          </a:fontRef>
+        </p:style>
+        <p:txBody>
+          <a:bodyPr rtlCol="0" anchor="ctr"/>
+          <a:lstStyle/>
+          <a:p>
+            <a:pPr algn="ctr"/>
+            <a:r>
+              <a:rPr lang="it-IT" dirty="0"/>
+              <a:t>Compute PCNs</a:t>
+            </a:r>
+          </a:p>
+        </p:txBody>
+      </p:sp>
+      <p:cxnSp>
+        <p:nvCxnSpPr>
+          <p:cNvPr id="21" name="Connettore 2 20">
+            <a:extLst>
+              <a:ext uri="{FF2B5EF4-FFF2-40B4-BE49-F238E27FC236}">
+                <a16:creationId xmlns:a16="http://schemas.microsoft.com/office/drawing/2014/main" id="{5EC2BB4E-5F42-0CDD-A5D0-CEE4EBA226EF}"/>
+              </a:ext>
+            </a:extLst>
+          </p:cNvPr>
+          <p:cNvCxnSpPr>
+            <a:cxnSpLocks/>
+            <a:stCxn id="4" idx="4"/>
+            <a:endCxn id="19" idx="1"/>
+          </p:cNvCxnSpPr>
+          <p:nvPr/>
+        </p:nvCxnSpPr>
+        <p:spPr>
+          <a:xfrm>
+            <a:off x="1173594" y="3692934"/>
+            <a:ext cx="2091184" cy="1"/>
+          </a:xfrm>
+          <a:prstGeom prst="straightConnector1">
+            <a:avLst/>
+          </a:prstGeom>
+          <a:ln>
+            <a:solidFill>
+              <a:schemeClr val="tx1"/>
+            </a:solidFill>
+            <a:tailEnd type="triangle"/>
+          </a:ln>
+        </p:spPr>
+        <p:style>
+          <a:lnRef idx="1">
+            <a:schemeClr val="accent1"/>
+          </a:lnRef>
+          <a:fillRef idx="0">
+            <a:schemeClr val="accent1"/>
+          </a:fillRef>
+          <a:effectRef idx="0">
+            <a:schemeClr val="accent1"/>
+          </a:effectRef>
+          <a:fontRef idx="minor">
+            <a:schemeClr val="tx1"/>
+          </a:fontRef>
+        </p:style>
+      </p:cxnSp>
+      <p:sp>
+        <p:nvSpPr>
+          <p:cNvPr id="59" name="Rettangolo con angoli arrotondati 58">
+            <a:extLst>
+              <a:ext uri="{FF2B5EF4-FFF2-40B4-BE49-F238E27FC236}">
+                <a16:creationId xmlns:a16="http://schemas.microsoft.com/office/drawing/2014/main" id="{662F9C61-4EDF-103D-5CB6-9F0A8F83B73D}"/>
+              </a:ext>
+            </a:extLst>
+          </p:cNvPr>
+          <p:cNvSpPr/>
+          <p:nvPr/>
+        </p:nvSpPr>
+        <p:spPr>
+          <a:xfrm>
+            <a:off x="6369359" y="5956183"/>
+            <a:ext cx="2144689" cy="390615"/>
+          </a:xfrm>
+          <a:prstGeom prst="roundRect">
+            <a:avLst/>
+          </a:prstGeom>
+          <a:solidFill>
+            <a:schemeClr val="accent2"/>
+          </a:solidFill>
+          <a:ln>
+            <a:solidFill>
+              <a:schemeClr val="tx1"/>
+            </a:solidFill>
+          </a:ln>
+        </p:spPr>
+        <p:style>
+          <a:lnRef idx="1">
+            <a:schemeClr val="accent4"/>
+          </a:lnRef>
+          <a:fillRef idx="2">
+            <a:schemeClr val="accent4"/>
+          </a:fillRef>
+          <a:effectRef idx="1">
+            <a:schemeClr val="accent4"/>
+          </a:effectRef>
+          <a:fontRef idx="minor">
+            <a:schemeClr val="dk1"/>
+          </a:fontRef>
+        </p:style>
+        <p:txBody>
+          <a:bodyPr rtlCol="0" anchor="ctr"/>
+          <a:lstStyle/>
+          <a:p>
+            <a:pPr algn="ctr"/>
+            <a:r>
+              <a:rPr lang="it-IT" dirty="0" err="1"/>
+              <a:t>Find</a:t>
+            </a:r>
+            <a:r>
+              <a:rPr lang="it-IT" dirty="0"/>
+              <a:t> </a:t>
+            </a:r>
+            <a:r>
+              <a:rPr lang="it-IT"/>
+              <a:t>mutations</a:t>
+            </a:r>
+            <a:endParaRPr lang="it-IT" dirty="0"/>
+          </a:p>
+        </p:txBody>
+      </p:sp>
+      <p:cxnSp>
+        <p:nvCxnSpPr>
+          <p:cNvPr id="61" name="Connettore 2 60">
+            <a:extLst>
+              <a:ext uri="{FF2B5EF4-FFF2-40B4-BE49-F238E27FC236}">
+                <a16:creationId xmlns:a16="http://schemas.microsoft.com/office/drawing/2014/main" id="{72A47EBC-1115-C735-4E6E-6A9669261BFB}"/>
+              </a:ext>
+            </a:extLst>
+          </p:cNvPr>
+          <p:cNvCxnSpPr>
+            <a:stCxn id="22" idx="3"/>
+            <a:endCxn id="59" idx="1"/>
+          </p:cNvCxnSpPr>
+          <p:nvPr/>
+        </p:nvCxnSpPr>
+        <p:spPr>
+          <a:xfrm>
+            <a:off x="4747338" y="6151490"/>
+            <a:ext cx="1622021" cy="1"/>
+          </a:xfrm>
+          <a:prstGeom prst="straightConnector1">
+            <a:avLst/>
+          </a:prstGeom>
+          <a:ln>
+            <a:solidFill>
+              <a:schemeClr val="tx1"/>
+            </a:solidFill>
+            <a:tailEnd type="triangle"/>
+          </a:ln>
+        </p:spPr>
+        <p:style>
+          <a:lnRef idx="1">
+            <a:schemeClr val="accent1"/>
+          </a:lnRef>
+          <a:fillRef idx="0">
+            <a:schemeClr val="accent1"/>
+          </a:fillRef>
+          <a:effectRef idx="0">
+            <a:schemeClr val="accent1"/>
+          </a:effectRef>
+          <a:fontRef idx="minor">
+            <a:schemeClr val="tx1"/>
+          </a:fontRef>
+        </p:style>
+      </p:cxnSp>
+      <p:cxnSp>
+        <p:nvCxnSpPr>
+          <p:cNvPr id="69" name="Connettore 2 68">
+            <a:extLst>
+              <a:ext uri="{FF2B5EF4-FFF2-40B4-BE49-F238E27FC236}">
+                <a16:creationId xmlns:a16="http://schemas.microsoft.com/office/drawing/2014/main" id="{8F82EA9C-7A6D-642A-B876-2B6BFBE2F7BC}"/>
+              </a:ext>
+            </a:extLst>
+          </p:cNvPr>
+          <p:cNvCxnSpPr>
+            <a:stCxn id="59" idx="3"/>
+            <a:endCxn id="32" idx="3"/>
+          </p:cNvCxnSpPr>
+          <p:nvPr/>
+        </p:nvCxnSpPr>
+        <p:spPr>
+          <a:xfrm flipV="1">
+            <a:off x="8514048" y="4378547"/>
+            <a:ext cx="1726216" cy="1772944"/>
+          </a:xfrm>
+          <a:prstGeom prst="straightConnector1">
+            <a:avLst/>
+          </a:prstGeom>
+          <a:ln>
+            <a:solidFill>
+              <a:schemeClr val="tx1"/>
+            </a:solidFill>
+            <a:tailEnd type="triangle"/>
+          </a:ln>
+        </p:spPr>
+        <p:style>
+          <a:lnRef idx="1">
+            <a:schemeClr val="accent1"/>
+          </a:lnRef>
+          <a:fillRef idx="0">
+            <a:schemeClr val="accent1"/>
+          </a:fillRef>
+          <a:effectRef idx="0">
+            <a:schemeClr val="accent1"/>
+          </a:effectRef>
+          <a:fontRef idx="minor">
+            <a:schemeClr val="tx1"/>
+          </a:fontRef>
+        </p:style>
+      </p:cxnSp>
+      <mc:AlternateContent xmlns:mc="http://schemas.openxmlformats.org/markup-compatibility/2006" xmlns:a14="http://schemas.microsoft.com/office/drawing/2010/main">
+        <mc:Choice Requires="a14">
           <p:sp>
             <p:nvSpPr>
-              <p:cNvPr id="2" name="Rettangolo con angoli arrotondati 1">
+              <p:cNvPr id="81" name="Rettangolo con angoli arrotondati 80">
                 <a:extLst>
                   <a:ext uri="{FF2B5EF4-FFF2-40B4-BE49-F238E27FC236}">
-                    <a16:creationId xmlns:a16="http://schemas.microsoft.com/office/drawing/2014/main" id="{306E657C-E314-7485-5A19-577814077497}"/>
+                    <a16:creationId xmlns:a16="http://schemas.microsoft.com/office/drawing/2014/main" id="{21CF26B4-F2B0-DAE6-1CC1-16014367184B}"/>
                   </a:ext>
                 </a:extLst>
               </p:cNvPr>
@@ -4497,8 +4856,8 @@
             </p:nvSpPr>
             <p:spPr>
               <a:xfrm>
-                <a:off x="6375278" y="1396947"/>
-                <a:ext cx="2138771" cy="390615"/>
+                <a:off x="6349851" y="1539985"/>
+                <a:ext cx="2138771" cy="452222"/>
               </a:xfrm>
               <a:prstGeom prst="roundRect">
                 <a:avLst/>
@@ -4531,50 +4890,44 @@
               <a:lstStyle/>
               <a:p>
                 <a:pPr algn="ctr"/>
+                <a:r>
+                  <a:rPr lang="it-IT" dirty="0"/>
+                  <a:t>Compute </a:t>
+                </a:r>
                 <a14:m>
                   <m:oMath xmlns:m="http://schemas.openxmlformats.org/officeDocument/2006/math">
-                    <m:sSub>
-                      <m:sSubPr>
-                        <m:ctrlPr>
-                          <a:rPr lang="it-IT" i="1" dirty="0" smtClean="0">
-                            <a:latin typeface="Cambria Math" panose="02040503050406030204" pitchFamily="18" charset="0"/>
-                          </a:rPr>
-                        </m:ctrlPr>
-                      </m:sSubPr>
-                      <m:e>
-                        <m:r>
-                          <a:rPr lang="it-IT" i="1" dirty="0" smtClean="0">
-                            <a:latin typeface="Cambria Math" panose="02040503050406030204" pitchFamily="18" charset="0"/>
-                          </a:rPr>
-                          <m:t>𝑃</m:t>
-                        </m:r>
-                      </m:e>
-                      <m:sub>
-                        <m:r>
-                          <a:rPr lang="it-IT" i="1" dirty="0" smtClean="0">
-                            <a:latin typeface="Cambria Math" panose="02040503050406030204" pitchFamily="18" charset="0"/>
-                          </a:rPr>
-                          <m:t>𝑘𝑎</m:t>
-                        </m:r>
-                      </m:sub>
-                    </m:sSub>
+                    <m:r>
+                      <a:rPr lang="it-IT" b="0" i="1" dirty="0" smtClean="0">
+                        <a:latin typeface="Cambria Math" panose="02040503050406030204" pitchFamily="18" charset="0"/>
+                      </a:rPr>
+                      <m:t>𝐸𝑃𝑟𝑏𝑑</m:t>
+                    </m:r>
+                    <m:r>
+                      <a:rPr lang="it-IT" b="0" i="1" dirty="0" smtClean="0">
+                        <a:latin typeface="Cambria Math" panose="02040503050406030204" pitchFamily="18" charset="0"/>
+                      </a:rPr>
+                      <m:t> </m:t>
+                    </m:r>
+                    <m:r>
+                      <a:rPr lang="it-IT" b="0" i="1" dirty="0" smtClean="0">
+                        <a:latin typeface="Cambria Math" panose="02040503050406030204" pitchFamily="18" charset="0"/>
+                      </a:rPr>
+                      <m:t>𝐸𝑃𝑛𝑡𝑑</m:t>
+                    </m:r>
                   </m:oMath>
                 </a14:m>
-                <a:r>
-                  <a:rPr lang="it-IT" dirty="0"/>
-                  <a:t> </a:t>
-                </a:r>
+                <a:endParaRPr lang="it-IT" dirty="0"/>
               </a:p>
             </p:txBody>
           </p:sp>
         </mc:Choice>
-        <mc:Fallback>
+        <mc:Fallback xmlns="">
           <p:sp>
             <p:nvSpPr>
-              <p:cNvPr id="2" name="Rettangolo con angoli arrotondati 1">
+              <p:cNvPr id="81" name="Rettangolo con angoli arrotondati 80">
                 <a:extLst>
                   <a:ext uri="{FF2B5EF4-FFF2-40B4-BE49-F238E27FC236}">
-                    <a16:creationId xmlns:a16="http://schemas.microsoft.com/office/drawing/2014/main" id="{306E657C-E314-7485-5A19-577814077497}"/>
+                    <a16:creationId xmlns:a16="http://schemas.microsoft.com/office/drawing/2014/main" id="{21CF26B4-F2B0-DAE6-1CC1-16014367184B}"/>
                   </a:ext>
                 </a:extLst>
               </p:cNvPr>
@@ -4585,16 +4938,16 @@
             </p:nvSpPr>
             <p:spPr>
               <a:xfrm>
-                <a:off x="6375278" y="1396947"/>
-                <a:ext cx="2138771" cy="390615"/>
+                <a:off x="6349851" y="1539985"/>
+                <a:ext cx="2138771" cy="452222"/>
               </a:xfrm>
               <a:prstGeom prst="roundRect">
                 <a:avLst/>
               </a:prstGeom>
               <a:blipFill>
-                <a:blip r:embed="rId2"/>
+                <a:blip r:embed="rId3"/>
                 <a:stretch>
-                  <a:fillRect/>
+                  <a:fillRect t="-28000" b="-14667"/>
                 </a:stretch>
               </a:blipFill>
               <a:ln>
@@ -4620,40 +4973,43 @@
       </mc:AlternateContent>
       <p:cxnSp>
         <p:nvCxnSpPr>
-          <p:cNvPr id="6" name="Connettore 2 5">
-            <a:extLst>
-              <a:ext uri="{FF2B5EF4-FFF2-40B4-BE49-F238E27FC236}">
-                <a16:creationId xmlns:a16="http://schemas.microsoft.com/office/drawing/2014/main" id="{6D4B5D1C-E318-EA16-C9F8-7834AF4D867E}"/>
+          <p:cNvPr id="85" name="Connettore 2 84">
+            <a:extLst>
+              <a:ext uri="{FF2B5EF4-FFF2-40B4-BE49-F238E27FC236}">
+                <a16:creationId xmlns:a16="http://schemas.microsoft.com/office/drawing/2014/main" id="{81D219EA-CD91-1C6A-3F1F-768B5DADB037}"/>
               </a:ext>
             </a:extLst>
           </p:cNvPr>
           <p:cNvCxnSpPr>
             <a:stCxn id="28" idx="3"/>
-            <a:endCxn id="2" idx="1"/>
+            <a:endCxn id="81" idx="1"/>
           </p:cNvCxnSpPr>
           <p:nvPr/>
         </p:nvCxnSpPr>
         <p:spPr>
           <a:xfrm>
             <a:off x="4747338" y="1112303"/>
-            <a:ext cx="1627940" cy="479952"/>
+            <a:ext cx="1602513" cy="653793"/>
           </a:xfrm>
           <a:prstGeom prst="straightConnector1">
             <a:avLst/>
           </a:prstGeom>
           <a:ln>
+            <a:solidFill>
+              <a:schemeClr val="tx1"/>
+            </a:solidFill>
             <a:tailEnd type="triangle"/>
           </a:ln>
         </p:spPr>
         <p:style>
           <a:lnRef idx="1">
-            <a:schemeClr val="dk1"/>
+            <a:schemeClr val="accent1"/>
           </a:lnRef>
           <a:fillRef idx="0">
-            <a:schemeClr val="dk1"/>
+            <a:schemeClr val="accent1"/>
           </a:fillRef>
           <a:effectRef idx="0">
-            <a:schemeClr val="dk1"/>
+            <a:schemeClr val="accent1"/>
           </a:effectRef>
           <a:fontRef idx="minor">
             <a:schemeClr val="tx1"/>
@@ -4662,40 +5018,43 @@
       </p:cxnSp>
       <p:cxnSp>
         <p:nvCxnSpPr>
-          <p:cNvPr id="8" name="Connettore 2 7">
-            <a:extLst>
-              <a:ext uri="{FF2B5EF4-FFF2-40B4-BE49-F238E27FC236}">
-                <a16:creationId xmlns:a16="http://schemas.microsoft.com/office/drawing/2014/main" id="{83D2E2C6-BD5D-22A0-C327-3E4CFE9CE4F0}"/>
+          <p:cNvPr id="87" name="Connettore 2 86">
+            <a:extLst>
+              <a:ext uri="{FF2B5EF4-FFF2-40B4-BE49-F238E27FC236}">
+                <a16:creationId xmlns:a16="http://schemas.microsoft.com/office/drawing/2014/main" id="{C1278FEE-36AA-33AD-8C62-CEE427D9A1B1}"/>
               </a:ext>
             </a:extLst>
           </p:cNvPr>
           <p:cNvCxnSpPr>
-            <a:stCxn id="2" idx="3"/>
+            <a:stCxn id="81" idx="3"/>
             <a:endCxn id="32" idx="1"/>
           </p:cNvCxnSpPr>
           <p:nvPr/>
         </p:nvCxnSpPr>
         <p:spPr>
           <a:xfrm>
-            <a:off x="8514049" y="1592255"/>
-            <a:ext cx="1726215" cy="1402109"/>
+            <a:off x="8488622" y="1766096"/>
+            <a:ext cx="1751642" cy="1228268"/>
           </a:xfrm>
           <a:prstGeom prst="straightConnector1">
             <a:avLst/>
           </a:prstGeom>
           <a:ln>
+            <a:solidFill>
+              <a:schemeClr val="tx1"/>
+            </a:solidFill>
             <a:tailEnd type="triangle"/>
           </a:ln>
         </p:spPr>
         <p:style>
           <a:lnRef idx="1">
-            <a:schemeClr val="dk1"/>
+            <a:schemeClr val="accent1"/>
           </a:lnRef>
           <a:fillRef idx="0">
-            <a:schemeClr val="dk1"/>
+            <a:schemeClr val="accent1"/>
           </a:fillRef>
           <a:effectRef idx="0">
-            <a:schemeClr val="dk1"/>
+            <a:schemeClr val="accent1"/>
           </a:effectRef>
           <a:fontRef idx="minor">
             <a:schemeClr val="tx1"/>
